--- a/lectures_strang_en/Lecture_16_Strang_EN.pptx
+++ b/lectures_strang_en/Lecture_16_Strang_EN.pptx
@@ -234,7 +234,7 @@
           <a:p>
             <a:fld id="{C7B76BB3-96B4-D949-BA97-2F034CC20E35}" type="datetimeFigureOut">
               <a:rPr lang="es-ES_tradnl" smtClean="0"/>
-              <a:t>5/5/20</a:t>
+              <a:t>6/5/20</a:t>
             </a:fld>
             <a:endParaRPr lang="es-ES_tradnl"/>
           </a:p>
@@ -407,7 +407,7 @@
           <a:p>
             <a:fld id="{BC3897DA-3038-2943-8BC6-34E6C6DE6379}" type="datetimeFigureOut">
               <a:rPr lang="es-ES_tradnl" smtClean="0"/>
-              <a:t>5/5/20</a:t>
+              <a:t>6/5/20</a:t>
             </a:fld>
             <a:endParaRPr lang="es-ES_tradnl"/>
           </a:p>
@@ -869,7 +869,7 @@
             <a:fld id="{75EEBB46-7A81-4557-A313-00D814F92FCC}" type="datetimeFigureOut">
               <a:rPr lang="es-ES" smtClean="0"/>
               <a:pPr/>
-              <a:t>5/5/20</a:t>
+              <a:t>6/5/20</a:t>
             </a:fld>
             <a:endParaRPr lang="es-ES"/>
           </a:p>
@@ -1232,7 +1232,7 @@
             <a:fld id="{75EEBB46-7A81-4557-A313-00D814F92FCC}" type="datetimeFigureOut">
               <a:rPr lang="es-ES" smtClean="0"/>
               <a:pPr/>
-              <a:t>5/5/20</a:t>
+              <a:t>6/5/20</a:t>
             </a:fld>
             <a:endParaRPr lang="es-ES"/>
           </a:p>
@@ -1417,7 +1417,7 @@
             <a:fld id="{75EEBB46-7A81-4557-A313-00D814F92FCC}" type="datetimeFigureOut">
               <a:rPr lang="es-ES" smtClean="0"/>
               <a:pPr/>
-              <a:t>5/5/20</a:t>
+              <a:t>6/5/20</a:t>
             </a:fld>
             <a:endParaRPr lang="es-ES"/>
           </a:p>
@@ -1540,7 +1540,7 @@
             <a:fld id="{75EEBB46-7A81-4557-A313-00D814F92FCC}" type="datetimeFigureOut">
               <a:rPr lang="es-ES" smtClean="0"/>
               <a:pPr/>
-              <a:t>5/5/20</a:t>
+              <a:t>6/5/20</a:t>
             </a:fld>
             <a:endParaRPr lang="es-ES"/>
           </a:p>
@@ -1908,7 +1908,7 @@
             <a:fld id="{75EEBB46-7A81-4557-A313-00D814F92FCC}" type="datetimeFigureOut">
               <a:rPr lang="es-ES" smtClean="0"/>
               <a:pPr/>
-              <a:t>5/5/20</a:t>
+              <a:t>6/5/20</a:t>
             </a:fld>
             <a:endParaRPr lang="es-ES"/>
           </a:p>
@@ -2183,7 +2183,7 @@
             <a:fld id="{75EEBB46-7A81-4557-A313-00D814F92FCC}" type="datetimeFigureOut">
               <a:rPr lang="es-ES" smtClean="0"/>
               <a:pPr/>
-              <a:t>5/5/20</a:t>
+              <a:t>6/5/20</a:t>
             </a:fld>
             <a:endParaRPr lang="es-ES"/>
           </a:p>
@@ -2555,7 +2555,7 @@
             <a:fld id="{75EEBB46-7A81-4557-A313-00D814F92FCC}" type="datetimeFigureOut">
               <a:rPr lang="es-ES" smtClean="0"/>
               <a:pPr/>
-              <a:t>5/5/20</a:t>
+              <a:t>6/5/20</a:t>
             </a:fld>
             <a:endParaRPr lang="es-ES"/>
           </a:p>
@@ -2792,7 +2792,7 @@
             <a:fld id="{75EEBB46-7A81-4557-A313-00D814F92FCC}" type="datetimeFigureOut">
               <a:rPr lang="es-ES" smtClean="0"/>
               <a:pPr/>
-              <a:t>5/5/20</a:t>
+              <a:t>6/5/20</a:t>
             </a:fld>
             <a:endParaRPr lang="es-ES"/>
           </a:p>
@@ -2892,7 +2892,7 @@
             <a:fld id="{75EEBB46-7A81-4557-A313-00D814F92FCC}" type="datetimeFigureOut">
               <a:rPr lang="es-ES" smtClean="0"/>
               <a:pPr/>
-              <a:t>5/5/20</a:t>
+              <a:t>6/5/20</a:t>
             </a:fld>
             <a:endParaRPr lang="es-ES"/>
           </a:p>
@@ -3169,7 +3169,7 @@
             <a:fld id="{75EEBB46-7A81-4557-A313-00D814F92FCC}" type="datetimeFigureOut">
               <a:rPr lang="es-ES" smtClean="0"/>
               <a:pPr/>
-              <a:t>5/5/20</a:t>
+              <a:t>6/5/20</a:t>
             </a:fld>
             <a:endParaRPr lang="es-ES"/>
           </a:p>
@@ -3407,7 +3407,7 @@
             <a:fld id="{75EEBB46-7A81-4557-A313-00D814F92FCC}" type="datetimeFigureOut">
               <a:rPr lang="es-ES" smtClean="0"/>
               <a:pPr/>
-              <a:t>5/5/20</a:t>
+              <a:t>6/5/20</a:t>
             </a:fld>
             <a:endParaRPr lang="es-ES"/>
           </a:p>
@@ -3908,7 +3908,7 @@
             <a:fld id="{75EEBB46-7A81-4557-A313-00D814F92FCC}" type="datetimeFigureOut">
               <a:rPr lang="es-ES" smtClean="0"/>
               <a:pPr/>
-              <a:t>5/5/20</a:t>
+              <a:t>6/5/20</a:t>
             </a:fld>
             <a:endParaRPr lang="es-ES"/>
           </a:p>
@@ -4799,8 +4799,8 @@
           </a:p>
         </p:txBody>
       </p:sp>
-      <mc:AlternateContent xmlns:mc="http://schemas.openxmlformats.org/markup-compatibility/2006">
-        <mc:Choice xmlns:a14="http://schemas.microsoft.com/office/drawing/2010/main" Requires="a14">
+      <mc:AlternateContent xmlns:mc="http://schemas.openxmlformats.org/markup-compatibility/2006" xmlns:a14="http://schemas.microsoft.com/office/drawing/2010/main">
+        <mc:Choice Requires="a14">
           <p:sp>
             <p:nvSpPr>
               <p:cNvPr id="109" name="Rectángulo 108">
@@ -4954,7 +4954,7 @@
             </p:txBody>
           </p:sp>
         </mc:Choice>
-        <mc:Fallback>
+        <mc:Fallback xmlns="">
           <p:sp>
             <p:nvSpPr>
               <p:cNvPr id="109" name="Rectángulo 108">
@@ -4999,8 +4999,8 @@
           </p:sp>
         </mc:Fallback>
       </mc:AlternateContent>
-      <mc:AlternateContent xmlns:mc="http://schemas.openxmlformats.org/markup-compatibility/2006">
-        <mc:Choice xmlns:a14="http://schemas.microsoft.com/office/drawing/2010/main" Requires="a14">
+      <mc:AlternateContent xmlns:mc="http://schemas.openxmlformats.org/markup-compatibility/2006" xmlns:a14="http://schemas.microsoft.com/office/drawing/2010/main">
+        <mc:Choice Requires="a14">
           <p:sp>
             <p:nvSpPr>
               <p:cNvPr id="3" name="CuadroTexto 2">
@@ -5126,7 +5126,7 @@
             </p:txBody>
           </p:sp>
         </mc:Choice>
-        <mc:Fallback>
+        <mc:Fallback xmlns="">
           <p:sp>
             <p:nvSpPr>
               <p:cNvPr id="3" name="CuadroTexto 2">
@@ -5191,8 +5191,8 @@
             <a:chExt cx="1730936" cy="2658621"/>
           </a:xfrm>
         </p:grpSpPr>
-        <mc:AlternateContent xmlns:mc="http://schemas.openxmlformats.org/markup-compatibility/2006">
-          <mc:Choice xmlns:a14="http://schemas.microsoft.com/office/drawing/2010/main" Requires="a14">
+        <mc:AlternateContent xmlns:mc="http://schemas.openxmlformats.org/markup-compatibility/2006" xmlns:a14="http://schemas.microsoft.com/office/drawing/2010/main">
+          <mc:Choice Requires="a14">
             <p:sp>
               <p:nvSpPr>
                 <p:cNvPr id="84" name="CuadroTexto 83">
@@ -5242,7 +5242,7 @@
               </p:txBody>
             </p:sp>
           </mc:Choice>
-          <mc:Fallback>
+          <mc:Fallback xmlns="">
             <p:sp>
               <p:nvSpPr>
                 <p:cNvPr id="84" name="CuadroTexto 83">
@@ -5287,8 +5287,8 @@
             </p:sp>
           </mc:Fallback>
         </mc:AlternateContent>
-        <mc:AlternateContent xmlns:mc="http://schemas.openxmlformats.org/markup-compatibility/2006">
-          <mc:Choice xmlns:a14="http://schemas.microsoft.com/office/drawing/2010/main" Requires="a14">
+        <mc:AlternateContent xmlns:mc="http://schemas.openxmlformats.org/markup-compatibility/2006" xmlns:a14="http://schemas.microsoft.com/office/drawing/2010/main">
+          <mc:Choice Requires="a14">
             <p:sp>
               <p:nvSpPr>
                 <p:cNvPr id="85" name="CuadroTexto 84">
@@ -5338,7 +5338,7 @@
               </p:txBody>
             </p:sp>
           </mc:Choice>
-          <mc:Fallback>
+          <mc:Fallback xmlns="">
             <p:sp>
               <p:nvSpPr>
                 <p:cNvPr id="85" name="CuadroTexto 84">
@@ -5383,8 +5383,8 @@
             </p:sp>
           </mc:Fallback>
         </mc:AlternateContent>
-        <mc:AlternateContent xmlns:mc="http://schemas.openxmlformats.org/markup-compatibility/2006">
-          <mc:Choice xmlns:a14="http://schemas.microsoft.com/office/drawing/2010/main" Requires="a14">
+        <mc:AlternateContent xmlns:mc="http://schemas.openxmlformats.org/markup-compatibility/2006" xmlns:a14="http://schemas.microsoft.com/office/drawing/2010/main">
+          <mc:Choice Requires="a14">
             <p:sp>
               <p:nvSpPr>
                 <p:cNvPr id="86" name="CuadroTexto 85">
@@ -5434,7 +5434,7 @@
               </p:txBody>
             </p:sp>
           </mc:Choice>
-          <mc:Fallback>
+          <mc:Fallback xmlns="">
             <p:sp>
               <p:nvSpPr>
                 <p:cNvPr id="86" name="CuadroTexto 85">
@@ -5650,8 +5650,8 @@
             </a:fontRef>
           </p:style>
         </p:cxnSp>
-        <mc:AlternateContent xmlns:mc="http://schemas.openxmlformats.org/markup-compatibility/2006">
-          <mc:Choice xmlns:a14="http://schemas.microsoft.com/office/drawing/2010/main" Requires="a14">
+        <mc:AlternateContent xmlns:mc="http://schemas.openxmlformats.org/markup-compatibility/2006" xmlns:a14="http://schemas.microsoft.com/office/drawing/2010/main">
+          <mc:Choice Requires="a14">
             <p:sp>
               <p:nvSpPr>
                 <p:cNvPr id="10" name="CuadroTexto 9">
@@ -5680,6 +5680,7 @@
                 </a:bodyPr>
                 <a:lstStyle/>
                 <a:p>
+                  <a:pPr/>
                   <a14:m>
                     <m:oMathPara xmlns:m="http://schemas.openxmlformats.org/officeDocument/2006/math">
                       <m:oMathParaPr>
@@ -5718,7 +5719,7 @@
               </p:txBody>
             </p:sp>
           </mc:Choice>
-          <mc:Fallback>
+          <mc:Fallback xmlns="">
             <p:sp>
               <p:nvSpPr>
                 <p:cNvPr id="10" name="CuadroTexto 9">
@@ -5763,8 +5764,8 @@
             </p:sp>
           </mc:Fallback>
         </mc:AlternateContent>
-        <mc:AlternateContent xmlns:mc="http://schemas.openxmlformats.org/markup-compatibility/2006">
-          <mc:Choice xmlns:a14="http://schemas.microsoft.com/office/drawing/2010/main" Requires="a14">
+        <mc:AlternateContent xmlns:mc="http://schemas.openxmlformats.org/markup-compatibility/2006" xmlns:a14="http://schemas.microsoft.com/office/drawing/2010/main">
+          <mc:Choice Requires="a14">
             <p:sp>
               <p:nvSpPr>
                 <p:cNvPr id="96" name="CuadroTexto 95">
@@ -5793,6 +5794,7 @@
                 </a:bodyPr>
                 <a:lstStyle/>
                 <a:p>
+                  <a:pPr/>
                   <a14:m>
                     <m:oMathPara xmlns:m="http://schemas.openxmlformats.org/officeDocument/2006/math">
                       <m:oMathParaPr>
@@ -5831,7 +5833,7 @@
               </p:txBody>
             </p:sp>
           </mc:Choice>
-          <mc:Fallback>
+          <mc:Fallback xmlns="">
             <p:sp>
               <p:nvSpPr>
                 <p:cNvPr id="96" name="CuadroTexto 95">
@@ -6108,8 +6110,8 @@
           </p:style>
         </p:cxnSp>
       </p:grpSp>
-      <mc:AlternateContent xmlns:mc="http://schemas.openxmlformats.org/markup-compatibility/2006">
-        <mc:Choice xmlns:a14="http://schemas.microsoft.com/office/drawing/2010/main" Requires="a14">
+      <mc:AlternateContent xmlns:mc="http://schemas.openxmlformats.org/markup-compatibility/2006" xmlns:a14="http://schemas.microsoft.com/office/drawing/2010/main">
+        <mc:Choice Requires="a14">
           <p:sp>
             <p:nvSpPr>
               <p:cNvPr id="97" name="CuadroTexto 96">
@@ -6138,6 +6140,7 @@
               </a:bodyPr>
               <a:lstStyle/>
               <a:p>
+                <a:pPr/>
                 <a14:m>
                   <m:oMathPara xmlns:m="http://schemas.openxmlformats.org/officeDocument/2006/math">
                     <m:oMathParaPr>
@@ -6182,7 +6185,7 @@
             </p:txBody>
           </p:sp>
         </mc:Choice>
-        <mc:Fallback>
+        <mc:Fallback xmlns="">
           <p:sp>
             <p:nvSpPr>
               <p:cNvPr id="97" name="CuadroTexto 96">
@@ -6227,8 +6230,8 @@
           </p:sp>
         </mc:Fallback>
       </mc:AlternateContent>
-      <mc:AlternateContent xmlns:mc="http://schemas.openxmlformats.org/markup-compatibility/2006">
-        <mc:Choice xmlns:a14="http://schemas.microsoft.com/office/drawing/2010/main" Requires="a14">
+      <mc:AlternateContent xmlns:mc="http://schemas.openxmlformats.org/markup-compatibility/2006" xmlns:a14="http://schemas.microsoft.com/office/drawing/2010/main">
+        <mc:Choice Requires="a14">
           <p:sp>
             <p:nvSpPr>
               <p:cNvPr id="111" name="CuadroTexto 110">
@@ -6257,6 +6260,7 @@
               </a:bodyPr>
               <a:lstStyle/>
               <a:p>
+                <a:pPr/>
                 <a14:m>
                   <m:oMathPara xmlns:m="http://schemas.openxmlformats.org/officeDocument/2006/math">
                     <m:oMathParaPr>
@@ -6289,7 +6293,7 @@
             </p:txBody>
           </p:sp>
         </mc:Choice>
-        <mc:Fallback>
+        <mc:Fallback xmlns="">
           <p:sp>
             <p:nvSpPr>
               <p:cNvPr id="111" name="CuadroTexto 110">
@@ -6334,8 +6338,8 @@
           </p:sp>
         </mc:Fallback>
       </mc:AlternateContent>
-      <mc:AlternateContent xmlns:mc="http://schemas.openxmlformats.org/markup-compatibility/2006">
-        <mc:Choice xmlns:a14="http://schemas.microsoft.com/office/drawing/2010/main" Requires="a14">
+      <mc:AlternateContent xmlns:mc="http://schemas.openxmlformats.org/markup-compatibility/2006" xmlns:a14="http://schemas.microsoft.com/office/drawing/2010/main">
+        <mc:Choice Requires="a14">
           <p:sp>
             <p:nvSpPr>
               <p:cNvPr id="103" name="Rectángulo 102">
@@ -6363,6 +6367,7 @@
               </a:bodyPr>
               <a:lstStyle/>
               <a:p>
+                <a:pPr/>
                 <a14:m>
                   <m:oMathPara xmlns:m="http://schemas.openxmlformats.org/officeDocument/2006/math">
                     <m:oMathParaPr>
@@ -6424,7 +6429,7 @@
             </p:txBody>
           </p:sp>
         </mc:Choice>
-        <mc:Fallback>
+        <mc:Fallback xmlns="">
           <p:sp>
             <p:nvSpPr>
               <p:cNvPr id="103" name="Rectángulo 102">
@@ -6469,8 +6474,8 @@
           </p:sp>
         </mc:Fallback>
       </mc:AlternateContent>
-      <mc:AlternateContent xmlns:mc="http://schemas.openxmlformats.org/markup-compatibility/2006">
-        <mc:Choice xmlns:a14="http://schemas.microsoft.com/office/drawing/2010/main" Requires="a14">
+      <mc:AlternateContent xmlns:mc="http://schemas.openxmlformats.org/markup-compatibility/2006" xmlns:a14="http://schemas.microsoft.com/office/drawing/2010/main">
+        <mc:Choice Requires="a14">
           <p:sp>
             <p:nvSpPr>
               <p:cNvPr id="123" name="Rectángulo 122">
@@ -6521,7 +6526,7 @@
             </p:txBody>
           </p:sp>
         </mc:Choice>
-        <mc:Fallback>
+        <mc:Fallback xmlns="">
           <p:sp>
             <p:nvSpPr>
               <p:cNvPr id="123" name="Rectángulo 122">
@@ -6695,8 +6700,8 @@
           </a:p>
         </p:txBody>
       </p:sp>
-      <mc:AlternateContent xmlns:mc="http://schemas.openxmlformats.org/markup-compatibility/2006">
-        <mc:Choice xmlns:a14="http://schemas.microsoft.com/office/drawing/2010/main" Requires="a14">
+      <mc:AlternateContent xmlns:mc="http://schemas.openxmlformats.org/markup-compatibility/2006" xmlns:a14="http://schemas.microsoft.com/office/drawing/2010/main">
+        <mc:Choice Requires="a14">
           <p:sp>
             <p:nvSpPr>
               <p:cNvPr id="31" name="CuadroTexto 30">
@@ -6982,7 +6987,7 @@
             </p:txBody>
           </p:sp>
         </mc:Choice>
-        <mc:Fallback>
+        <mc:Fallback xmlns="">
           <p:sp>
             <p:nvSpPr>
               <p:cNvPr id="31" name="CuadroTexto 30">
@@ -7027,8 +7032,8 @@
           </p:sp>
         </mc:Fallback>
       </mc:AlternateContent>
-      <mc:AlternateContent xmlns:mc="http://schemas.openxmlformats.org/markup-compatibility/2006">
-        <mc:Choice xmlns:a14="http://schemas.microsoft.com/office/drawing/2010/main" Requires="a14">
+      <mc:AlternateContent xmlns:mc="http://schemas.openxmlformats.org/markup-compatibility/2006" xmlns:a14="http://schemas.microsoft.com/office/drawing/2010/main">
+        <mc:Choice Requires="a14">
           <p:sp>
             <p:nvSpPr>
               <p:cNvPr id="32" name="CuadroTexto 31">
@@ -7281,7 +7286,7 @@
             </p:txBody>
           </p:sp>
         </mc:Choice>
-        <mc:Fallback>
+        <mc:Fallback xmlns="">
           <p:sp>
             <p:nvSpPr>
               <p:cNvPr id="32" name="CuadroTexto 31">
@@ -7326,8 +7331,8 @@
           </p:sp>
         </mc:Fallback>
       </mc:AlternateContent>
-      <mc:AlternateContent xmlns:mc="http://schemas.openxmlformats.org/markup-compatibility/2006">
-        <mc:Choice xmlns:a14="http://schemas.microsoft.com/office/drawing/2010/main" Requires="a14">
+      <mc:AlternateContent xmlns:mc="http://schemas.openxmlformats.org/markup-compatibility/2006" xmlns:a14="http://schemas.microsoft.com/office/drawing/2010/main">
+        <mc:Choice Requires="a14">
           <p:sp>
             <p:nvSpPr>
               <p:cNvPr id="40" name="Rectángulo 39">
@@ -7385,7 +7390,7 @@
             </p:txBody>
           </p:sp>
         </mc:Choice>
-        <mc:Fallback>
+        <mc:Fallback xmlns="">
           <p:sp>
             <p:nvSpPr>
               <p:cNvPr id="40" name="Rectángulo 39">
@@ -7430,8 +7435,8 @@
           </p:sp>
         </mc:Fallback>
       </mc:AlternateContent>
-      <mc:AlternateContent xmlns:mc="http://schemas.openxmlformats.org/markup-compatibility/2006">
-        <mc:Choice xmlns:a14="http://schemas.microsoft.com/office/drawing/2010/main" Requires="a14">
+      <mc:AlternateContent xmlns:mc="http://schemas.openxmlformats.org/markup-compatibility/2006" xmlns:a14="http://schemas.microsoft.com/office/drawing/2010/main">
+        <mc:Choice Requires="a14">
           <p:sp>
             <p:nvSpPr>
               <p:cNvPr id="2" name="CuadroTexto 1">
@@ -7725,7 +7730,7 @@
             </p:txBody>
           </p:sp>
         </mc:Choice>
-        <mc:Fallback>
+        <mc:Fallback xmlns="">
           <p:sp>
             <p:nvSpPr>
               <p:cNvPr id="2" name="CuadroTexto 1">
@@ -8412,8 +8417,8 @@
             </a:p>
           </p:txBody>
         </p:sp>
-        <mc:AlternateContent xmlns:mc="http://schemas.openxmlformats.org/markup-compatibility/2006">
-          <mc:Choice xmlns:a14="http://schemas.microsoft.com/office/drawing/2010/main" Requires="a14">
+        <mc:AlternateContent xmlns:mc="http://schemas.openxmlformats.org/markup-compatibility/2006" xmlns:a14="http://schemas.microsoft.com/office/drawing/2010/main">
+          <mc:Choice Requires="a14">
             <p:sp>
               <p:nvSpPr>
                 <p:cNvPr id="48" name="Rectángulo 47">
@@ -8462,7 +8467,7 @@
               </p:txBody>
             </p:sp>
           </mc:Choice>
-          <mc:Fallback>
+          <mc:Fallback xmlns="">
             <p:sp>
               <p:nvSpPr>
                 <p:cNvPr id="48" name="Rectángulo 47">
@@ -8507,8 +8512,8 @@
             </p:sp>
           </mc:Fallback>
         </mc:AlternateContent>
-        <mc:AlternateContent xmlns:mc="http://schemas.openxmlformats.org/markup-compatibility/2006">
-          <mc:Choice xmlns:a14="http://schemas.microsoft.com/office/drawing/2010/main" Requires="a14">
+        <mc:AlternateContent xmlns:mc="http://schemas.openxmlformats.org/markup-compatibility/2006" xmlns:a14="http://schemas.microsoft.com/office/drawing/2010/main">
+          <mc:Choice Requires="a14">
             <p:sp>
               <p:nvSpPr>
                 <p:cNvPr id="49" name="Rectángulo 48">
@@ -8557,7 +8562,7 @@
               </p:txBody>
             </p:sp>
           </mc:Choice>
-          <mc:Fallback>
+          <mc:Fallback xmlns="">
             <p:sp>
               <p:nvSpPr>
                 <p:cNvPr id="49" name="Rectángulo 48">
@@ -8887,8 +8892,8 @@
             </a:fontRef>
           </p:style>
         </p:cxnSp>
-        <mc:AlternateContent xmlns:mc="http://schemas.openxmlformats.org/markup-compatibility/2006">
-          <mc:Choice xmlns:a14="http://schemas.microsoft.com/office/drawing/2010/main" Requires="a14">
+        <mc:AlternateContent xmlns:mc="http://schemas.openxmlformats.org/markup-compatibility/2006" xmlns:a14="http://schemas.microsoft.com/office/drawing/2010/main">
+          <mc:Choice Requires="a14">
             <p:sp>
               <p:nvSpPr>
                 <p:cNvPr id="19" name="Rectángulo 18">
@@ -8916,6 +8921,7 @@
                 </a:bodyPr>
                 <a:lstStyle/>
                 <a:p>
+                  <a:pPr/>
                   <a14:m>
                     <m:oMathPara xmlns:m="http://schemas.openxmlformats.org/officeDocument/2006/math">
                       <m:oMathParaPr>
@@ -8964,7 +8970,7 @@
               </p:txBody>
             </p:sp>
           </mc:Choice>
-          <mc:Fallback>
+          <mc:Fallback xmlns="">
             <p:sp>
               <p:nvSpPr>
                 <p:cNvPr id="19" name="Rectángulo 18">
@@ -9009,8 +9015,8 @@
             </p:sp>
           </mc:Fallback>
         </mc:AlternateContent>
-        <mc:AlternateContent xmlns:mc="http://schemas.openxmlformats.org/markup-compatibility/2006">
-          <mc:Choice xmlns:a14="http://schemas.microsoft.com/office/drawing/2010/main" Requires="a14">
+        <mc:AlternateContent xmlns:mc="http://schemas.openxmlformats.org/markup-compatibility/2006" xmlns:a14="http://schemas.microsoft.com/office/drawing/2010/main">
+          <mc:Choice Requires="a14">
             <p:sp>
               <p:nvSpPr>
                 <p:cNvPr id="98" name="Rectángulo 97">
@@ -9038,6 +9044,7 @@
                 </a:bodyPr>
                 <a:lstStyle/>
                 <a:p>
+                  <a:pPr/>
                   <a14:m>
                     <m:oMathPara xmlns:m="http://schemas.openxmlformats.org/officeDocument/2006/math">
                       <m:oMathParaPr>
@@ -9086,7 +9093,7 @@
               </p:txBody>
             </p:sp>
           </mc:Choice>
-          <mc:Fallback>
+          <mc:Fallback xmlns="">
             <p:sp>
               <p:nvSpPr>
                 <p:cNvPr id="98" name="Rectángulo 97">
@@ -9131,8 +9138,8 @@
             </p:sp>
           </mc:Fallback>
         </mc:AlternateContent>
-        <mc:AlternateContent xmlns:mc="http://schemas.openxmlformats.org/markup-compatibility/2006">
-          <mc:Choice xmlns:a14="http://schemas.microsoft.com/office/drawing/2010/main" Requires="a14">
+        <mc:AlternateContent xmlns:mc="http://schemas.openxmlformats.org/markup-compatibility/2006" xmlns:a14="http://schemas.microsoft.com/office/drawing/2010/main">
+          <mc:Choice Requires="a14">
             <p:sp>
               <p:nvSpPr>
                 <p:cNvPr id="99" name="Rectángulo 98">
@@ -9160,6 +9167,7 @@
                 </a:bodyPr>
                 <a:lstStyle/>
                 <a:p>
+                  <a:pPr/>
                   <a14:m>
                     <m:oMathPara xmlns:m="http://schemas.openxmlformats.org/officeDocument/2006/math">
                       <m:oMathParaPr>
@@ -9208,7 +9216,7 @@
               </p:txBody>
             </p:sp>
           </mc:Choice>
-          <mc:Fallback>
+          <mc:Fallback xmlns="">
             <p:sp>
               <p:nvSpPr>
                 <p:cNvPr id="99" name="Rectángulo 98">
@@ -9253,8 +9261,8 @@
             </p:sp>
           </mc:Fallback>
         </mc:AlternateContent>
-        <mc:AlternateContent xmlns:mc="http://schemas.openxmlformats.org/markup-compatibility/2006">
-          <mc:Choice xmlns:a14="http://schemas.microsoft.com/office/drawing/2010/main" Requires="a14">
+        <mc:AlternateContent xmlns:mc="http://schemas.openxmlformats.org/markup-compatibility/2006" xmlns:a14="http://schemas.microsoft.com/office/drawing/2010/main">
+          <mc:Choice Requires="a14">
             <p:sp>
               <p:nvSpPr>
                 <p:cNvPr id="20" name="CuadroTexto 19">
@@ -9283,6 +9291,7 @@
                 </a:bodyPr>
                 <a:lstStyle/>
                 <a:p>
+                  <a:pPr/>
                   <a14:m>
                     <m:oMathPara xmlns:m="http://schemas.openxmlformats.org/officeDocument/2006/math">
                       <m:oMathParaPr>
@@ -9311,7 +9320,7 @@
               </p:txBody>
             </p:sp>
           </mc:Choice>
-          <mc:Fallback>
+          <mc:Fallback xmlns="">
             <p:sp>
               <p:nvSpPr>
                 <p:cNvPr id="20" name="CuadroTexto 19">
@@ -9356,8 +9365,8 @@
             </p:sp>
           </mc:Fallback>
         </mc:AlternateContent>
-        <mc:AlternateContent xmlns:mc="http://schemas.openxmlformats.org/markup-compatibility/2006">
-          <mc:Choice xmlns:a14="http://schemas.microsoft.com/office/drawing/2010/main" Requires="a14">
+        <mc:AlternateContent xmlns:mc="http://schemas.openxmlformats.org/markup-compatibility/2006" xmlns:a14="http://schemas.microsoft.com/office/drawing/2010/main">
+          <mc:Choice Requires="a14">
             <p:sp>
               <p:nvSpPr>
                 <p:cNvPr id="100" name="CuadroTexto 99">
@@ -9386,6 +9395,7 @@
                 </a:bodyPr>
                 <a:lstStyle/>
                 <a:p>
+                  <a:pPr/>
                   <a14:m>
                     <m:oMathPara xmlns:m="http://schemas.openxmlformats.org/officeDocument/2006/math">
                       <m:oMathParaPr>
@@ -9414,7 +9424,7 @@
               </p:txBody>
             </p:sp>
           </mc:Choice>
-          <mc:Fallback>
+          <mc:Fallback xmlns="">
             <p:sp>
               <p:nvSpPr>
                 <p:cNvPr id="100" name="CuadroTexto 99">
@@ -9459,8 +9469,8 @@
             </p:sp>
           </mc:Fallback>
         </mc:AlternateContent>
-        <mc:AlternateContent xmlns:mc="http://schemas.openxmlformats.org/markup-compatibility/2006">
-          <mc:Choice xmlns:a14="http://schemas.microsoft.com/office/drawing/2010/main" Requires="a14">
+        <mc:AlternateContent xmlns:mc="http://schemas.openxmlformats.org/markup-compatibility/2006" xmlns:a14="http://schemas.microsoft.com/office/drawing/2010/main">
+          <mc:Choice Requires="a14">
             <p:sp>
               <p:nvSpPr>
                 <p:cNvPr id="101" name="CuadroTexto 100">
@@ -9489,6 +9499,7 @@
                 </a:bodyPr>
                 <a:lstStyle/>
                 <a:p>
+                  <a:pPr/>
                   <a14:m>
                     <m:oMathPara xmlns:m="http://schemas.openxmlformats.org/officeDocument/2006/math">
                       <m:oMathParaPr>
@@ -9517,7 +9528,7 @@
               </p:txBody>
             </p:sp>
           </mc:Choice>
-          <mc:Fallback>
+          <mc:Fallback xmlns="">
             <p:sp>
               <p:nvSpPr>
                 <p:cNvPr id="101" name="CuadroTexto 100">
@@ -9602,8 +9613,8 @@
                 <a:chExt cx="579125" cy="815926"/>
               </a:xfrm>
             </p:grpSpPr>
-            <mc:AlternateContent xmlns:mc="http://schemas.openxmlformats.org/markup-compatibility/2006">
-              <mc:Choice xmlns:a14="http://schemas.microsoft.com/office/drawing/2010/main" Requires="a14">
+            <mc:AlternateContent xmlns:mc="http://schemas.openxmlformats.org/markup-compatibility/2006" xmlns:a14="http://schemas.microsoft.com/office/drawing/2010/main">
+              <mc:Choice Requires="a14">
                 <p:sp>
                   <p:nvSpPr>
                     <p:cNvPr id="102" name="CuadroTexto 101">
@@ -9632,6 +9643,7 @@
                     </a:bodyPr>
                     <a:lstStyle/>
                     <a:p>
+                      <a:pPr/>
                       <a14:m>
                         <m:oMathPara xmlns:m="http://schemas.openxmlformats.org/officeDocument/2006/math">
                           <m:oMathParaPr>
@@ -9660,7 +9672,7 @@
                   </p:txBody>
                 </p:sp>
               </mc:Choice>
-              <mc:Fallback>
+              <mc:Fallback xmlns="">
                 <p:sp>
                   <p:nvSpPr>
                     <p:cNvPr id="102" name="CuadroTexto 101">
@@ -9797,8 +9809,8 @@
                 </a:fontRef>
               </p:style>
             </p:cxnSp>
-            <mc:AlternateContent xmlns:mc="http://schemas.openxmlformats.org/markup-compatibility/2006">
-              <mc:Choice xmlns:a14="http://schemas.microsoft.com/office/drawing/2010/main" Requires="a14">
+            <mc:AlternateContent xmlns:mc="http://schemas.openxmlformats.org/markup-compatibility/2006" xmlns:a14="http://schemas.microsoft.com/office/drawing/2010/main">
+              <mc:Choice Requires="a14">
                 <p:sp>
                   <p:nvSpPr>
                     <p:cNvPr id="105" name="Rectángulo 104">
@@ -9826,6 +9838,7 @@
                     </a:bodyPr>
                     <a:lstStyle/>
                     <a:p>
+                      <a:pPr/>
                       <a14:m>
                         <m:oMathPara xmlns:m="http://schemas.openxmlformats.org/officeDocument/2006/math">
                           <m:oMathParaPr>
@@ -9874,7 +9887,7 @@
                   </p:txBody>
                 </p:sp>
               </mc:Choice>
-              <mc:Fallback>
+              <mc:Fallback xmlns="">
                 <p:sp>
                   <p:nvSpPr>
                     <p:cNvPr id="105" name="Rectángulo 104">
@@ -9919,8 +9932,8 @@
                 </p:sp>
               </mc:Fallback>
             </mc:AlternateContent>
-            <mc:AlternateContent xmlns:mc="http://schemas.openxmlformats.org/markup-compatibility/2006">
-              <mc:Choice xmlns:a14="http://schemas.microsoft.com/office/drawing/2010/main" Requires="a14">
+            <mc:AlternateContent xmlns:mc="http://schemas.openxmlformats.org/markup-compatibility/2006" xmlns:a14="http://schemas.microsoft.com/office/drawing/2010/main">
+              <mc:Choice Requires="a14">
                 <p:sp>
                   <p:nvSpPr>
                     <p:cNvPr id="108" name="Rectángulo 107">
@@ -9948,6 +9961,7 @@
                     </a:bodyPr>
                     <a:lstStyle/>
                     <a:p>
+                      <a:pPr/>
                       <a14:m>
                         <m:oMathPara xmlns:m="http://schemas.openxmlformats.org/officeDocument/2006/math">
                           <m:oMathParaPr>
@@ -9987,7 +10001,7 @@
                   </p:txBody>
                 </p:sp>
               </mc:Choice>
-              <mc:Fallback>
+              <mc:Fallback xmlns="">
                 <p:sp>
                   <p:nvSpPr>
                     <p:cNvPr id="108" name="Rectángulo 107">
@@ -10032,8 +10046,8 @@
                 </p:sp>
               </mc:Fallback>
             </mc:AlternateContent>
-            <mc:AlternateContent xmlns:mc="http://schemas.openxmlformats.org/markup-compatibility/2006">
-              <mc:Choice xmlns:a14="http://schemas.microsoft.com/office/drawing/2010/main" Requires="a14">
+            <mc:AlternateContent xmlns:mc="http://schemas.openxmlformats.org/markup-compatibility/2006" xmlns:a14="http://schemas.microsoft.com/office/drawing/2010/main">
+              <mc:Choice Requires="a14">
                 <p:sp>
                   <p:nvSpPr>
                     <p:cNvPr id="109" name="Rectángulo 108">
@@ -10061,6 +10075,7 @@
                     </a:bodyPr>
                     <a:lstStyle/>
                     <a:p>
+                      <a:pPr/>
                       <a14:m>
                         <m:oMathPara xmlns:m="http://schemas.openxmlformats.org/officeDocument/2006/math">
                           <m:oMathParaPr>
@@ -10109,7 +10124,7 @@
                   </p:txBody>
                 </p:sp>
               </mc:Choice>
-              <mc:Fallback>
+              <mc:Fallback xmlns="">
                 <p:sp>
                   <p:nvSpPr>
                     <p:cNvPr id="109" name="Rectángulo 108">
@@ -10208,8 +10223,8 @@
             </p:txBody>
           </p:sp>
         </p:grpSp>
-        <mc:AlternateContent xmlns:mc="http://schemas.openxmlformats.org/markup-compatibility/2006">
-          <mc:Choice xmlns:a14="http://schemas.microsoft.com/office/drawing/2010/main" Requires="a14">
+        <mc:AlternateContent xmlns:mc="http://schemas.openxmlformats.org/markup-compatibility/2006" xmlns:a14="http://schemas.microsoft.com/office/drawing/2010/main">
+          <mc:Choice Requires="a14">
             <p:sp>
               <p:nvSpPr>
                 <p:cNvPr id="110" name="Rectángulo 109">
@@ -10237,6 +10252,7 @@
                 </a:bodyPr>
                 <a:lstStyle/>
                 <a:p>
+                  <a:pPr/>
                   <a14:m>
                     <m:oMathPara xmlns:m="http://schemas.openxmlformats.org/officeDocument/2006/math">
                       <m:oMathParaPr>
@@ -10289,7 +10305,7 @@
               </p:txBody>
             </p:sp>
           </mc:Choice>
-          <mc:Fallback>
+          <mc:Fallback xmlns="">
             <p:sp>
               <p:nvSpPr>
                 <p:cNvPr id="110" name="Rectángulo 109">
@@ -10334,8 +10350,8 @@
             </p:sp>
           </mc:Fallback>
         </mc:AlternateContent>
-        <mc:AlternateContent xmlns:mc="http://schemas.openxmlformats.org/markup-compatibility/2006">
-          <mc:Choice xmlns:a14="http://schemas.microsoft.com/office/drawing/2010/main" Requires="a14">
+        <mc:AlternateContent xmlns:mc="http://schemas.openxmlformats.org/markup-compatibility/2006" xmlns:a14="http://schemas.microsoft.com/office/drawing/2010/main">
+          <mc:Choice Requires="a14">
             <p:sp>
               <p:nvSpPr>
                 <p:cNvPr id="111" name="Rectángulo 110">
@@ -10363,6 +10379,7 @@
                 </a:bodyPr>
                 <a:lstStyle/>
                 <a:p>
+                  <a:pPr/>
                   <a14:m>
                     <m:oMathPara xmlns:m="http://schemas.openxmlformats.org/officeDocument/2006/math">
                       <m:oMathParaPr>
@@ -10402,7 +10419,7 @@
               </p:txBody>
             </p:sp>
           </mc:Choice>
-          <mc:Fallback>
+          <mc:Fallback xmlns="">
             <p:sp>
               <p:nvSpPr>
                 <p:cNvPr id="111" name="Rectángulo 110">
@@ -10447,8 +10464,8 @@
             </p:sp>
           </mc:Fallback>
         </mc:AlternateContent>
-        <mc:AlternateContent xmlns:mc="http://schemas.openxmlformats.org/markup-compatibility/2006">
-          <mc:Choice xmlns:a14="http://schemas.microsoft.com/office/drawing/2010/main" Requires="a14">
+        <mc:AlternateContent xmlns:mc="http://schemas.openxmlformats.org/markup-compatibility/2006" xmlns:a14="http://schemas.microsoft.com/office/drawing/2010/main">
+          <mc:Choice Requires="a14">
             <p:sp>
               <p:nvSpPr>
                 <p:cNvPr id="114" name="Rectángulo 113">
@@ -10476,6 +10493,7 @@
                 </a:bodyPr>
                 <a:lstStyle/>
                 <a:p>
+                  <a:pPr/>
                   <a14:m>
                     <m:oMathPara xmlns:m="http://schemas.openxmlformats.org/officeDocument/2006/math">
                       <m:oMathParaPr>
@@ -10528,7 +10546,7 @@
               </p:txBody>
             </p:sp>
           </mc:Choice>
-          <mc:Fallback>
+          <mc:Fallback xmlns="">
             <p:sp>
               <p:nvSpPr>
                 <p:cNvPr id="114" name="Rectángulo 113">
@@ -10573,8 +10591,8 @@
             </p:sp>
           </mc:Fallback>
         </mc:AlternateContent>
-        <mc:AlternateContent xmlns:mc="http://schemas.openxmlformats.org/markup-compatibility/2006">
-          <mc:Choice xmlns:a14="http://schemas.microsoft.com/office/drawing/2010/main" Requires="a14">
+        <mc:AlternateContent xmlns:mc="http://schemas.openxmlformats.org/markup-compatibility/2006" xmlns:a14="http://schemas.microsoft.com/office/drawing/2010/main">
+          <mc:Choice Requires="a14">
             <p:sp>
               <p:nvSpPr>
                 <p:cNvPr id="115" name="Rectángulo 114">
@@ -10602,6 +10620,7 @@
                 </a:bodyPr>
                 <a:lstStyle/>
                 <a:p>
+                  <a:pPr/>
                   <a14:m>
                     <m:oMathPara xmlns:m="http://schemas.openxmlformats.org/officeDocument/2006/math">
                       <m:oMathParaPr>
@@ -10641,7 +10660,7 @@
               </p:txBody>
             </p:sp>
           </mc:Choice>
-          <mc:Fallback>
+          <mc:Fallback xmlns="">
             <p:sp>
               <p:nvSpPr>
                 <p:cNvPr id="115" name="Rectángulo 114">
@@ -10686,8 +10705,8 @@
             </p:sp>
           </mc:Fallback>
         </mc:AlternateContent>
-        <mc:AlternateContent xmlns:mc="http://schemas.openxmlformats.org/markup-compatibility/2006">
-          <mc:Choice xmlns:a14="http://schemas.microsoft.com/office/drawing/2010/main" Requires="a14">
+        <mc:AlternateContent xmlns:mc="http://schemas.openxmlformats.org/markup-compatibility/2006" xmlns:a14="http://schemas.microsoft.com/office/drawing/2010/main">
+          <mc:Choice Requires="a14">
             <p:sp>
               <p:nvSpPr>
                 <p:cNvPr id="116" name="Rectángulo 115">
@@ -10715,6 +10734,7 @@
                 </a:bodyPr>
                 <a:lstStyle/>
                 <a:p>
+                  <a:pPr/>
                   <a14:m>
                     <m:oMathPara xmlns:m="http://schemas.openxmlformats.org/officeDocument/2006/math">
                       <m:oMathParaPr>
@@ -10754,7 +10774,7 @@
               </p:txBody>
             </p:sp>
           </mc:Choice>
-          <mc:Fallback>
+          <mc:Fallback xmlns="">
             <p:sp>
               <p:nvSpPr>
                 <p:cNvPr id="116" name="Rectángulo 115">
@@ -10799,8 +10819,8 @@
             </p:sp>
           </mc:Fallback>
         </mc:AlternateContent>
-        <mc:AlternateContent xmlns:mc="http://schemas.openxmlformats.org/markup-compatibility/2006">
-          <mc:Choice xmlns:a14="http://schemas.microsoft.com/office/drawing/2010/main" Requires="a14">
+        <mc:AlternateContent xmlns:mc="http://schemas.openxmlformats.org/markup-compatibility/2006" xmlns:a14="http://schemas.microsoft.com/office/drawing/2010/main">
+          <mc:Choice Requires="a14">
             <p:sp>
               <p:nvSpPr>
                 <p:cNvPr id="117" name="Rectángulo 116">
@@ -10828,6 +10848,7 @@
                 </a:bodyPr>
                 <a:lstStyle/>
                 <a:p>
+                  <a:pPr/>
                   <a14:m>
                     <m:oMathPara xmlns:m="http://schemas.openxmlformats.org/officeDocument/2006/math">
                       <m:oMathParaPr>
@@ -10867,7 +10888,7 @@
               </p:txBody>
             </p:sp>
           </mc:Choice>
-          <mc:Fallback>
+          <mc:Fallback xmlns="">
             <p:sp>
               <p:nvSpPr>
                 <p:cNvPr id="117" name="Rectángulo 116">
@@ -10912,8 +10933,8 @@
             </p:sp>
           </mc:Fallback>
         </mc:AlternateContent>
-        <mc:AlternateContent xmlns:mc="http://schemas.openxmlformats.org/markup-compatibility/2006">
-          <mc:Choice xmlns:a14="http://schemas.microsoft.com/office/drawing/2010/main" Requires="a14">
+        <mc:AlternateContent xmlns:mc="http://schemas.openxmlformats.org/markup-compatibility/2006" xmlns:a14="http://schemas.microsoft.com/office/drawing/2010/main">
+          <mc:Choice Requires="a14">
             <p:sp>
               <p:nvSpPr>
                 <p:cNvPr id="118" name="CuadroTexto 117">
@@ -10987,7 +11008,7 @@
               </p:txBody>
             </p:sp>
           </mc:Choice>
-          <mc:Fallback>
+          <mc:Fallback xmlns="">
             <p:sp>
               <p:nvSpPr>
                 <p:cNvPr id="118" name="CuadroTexto 117">
@@ -11053,8 +11074,8 @@
             <a:chExt cx="1730936" cy="2658621"/>
           </a:xfrm>
         </p:grpSpPr>
-        <mc:AlternateContent xmlns:mc="http://schemas.openxmlformats.org/markup-compatibility/2006">
-          <mc:Choice xmlns:a14="http://schemas.microsoft.com/office/drawing/2010/main" Requires="a14">
+        <mc:AlternateContent xmlns:mc="http://schemas.openxmlformats.org/markup-compatibility/2006" xmlns:a14="http://schemas.microsoft.com/office/drawing/2010/main">
+          <mc:Choice Requires="a14">
             <p:sp>
               <p:nvSpPr>
                 <p:cNvPr id="120" name="CuadroTexto 119">
@@ -11104,7 +11125,7 @@
               </p:txBody>
             </p:sp>
           </mc:Choice>
-          <mc:Fallback>
+          <mc:Fallback xmlns="">
             <p:sp>
               <p:nvSpPr>
                 <p:cNvPr id="120" name="CuadroTexto 119">
@@ -11149,8 +11170,8 @@
             </p:sp>
           </mc:Fallback>
         </mc:AlternateContent>
-        <mc:AlternateContent xmlns:mc="http://schemas.openxmlformats.org/markup-compatibility/2006">
-          <mc:Choice xmlns:a14="http://schemas.microsoft.com/office/drawing/2010/main" Requires="a14">
+        <mc:AlternateContent xmlns:mc="http://schemas.openxmlformats.org/markup-compatibility/2006" xmlns:a14="http://schemas.microsoft.com/office/drawing/2010/main">
+          <mc:Choice Requires="a14">
             <p:sp>
               <p:nvSpPr>
                 <p:cNvPr id="121" name="CuadroTexto 120">
@@ -11200,7 +11221,7 @@
               </p:txBody>
             </p:sp>
           </mc:Choice>
-          <mc:Fallback>
+          <mc:Fallback xmlns="">
             <p:sp>
               <p:nvSpPr>
                 <p:cNvPr id="121" name="CuadroTexto 120">
@@ -11245,8 +11266,8 @@
             </p:sp>
           </mc:Fallback>
         </mc:AlternateContent>
-        <mc:AlternateContent xmlns:mc="http://schemas.openxmlformats.org/markup-compatibility/2006">
-          <mc:Choice xmlns:a14="http://schemas.microsoft.com/office/drawing/2010/main" Requires="a14">
+        <mc:AlternateContent xmlns:mc="http://schemas.openxmlformats.org/markup-compatibility/2006" xmlns:a14="http://schemas.microsoft.com/office/drawing/2010/main">
+          <mc:Choice Requires="a14">
             <p:sp>
               <p:nvSpPr>
                 <p:cNvPr id="122" name="CuadroTexto 121">
@@ -11296,7 +11317,7 @@
               </p:txBody>
             </p:sp>
           </mc:Choice>
-          <mc:Fallback>
+          <mc:Fallback xmlns="">
             <p:sp>
               <p:nvSpPr>
                 <p:cNvPr id="122" name="CuadroTexto 121">
@@ -11512,8 +11533,8 @@
             </a:fontRef>
           </p:style>
         </p:cxnSp>
-        <mc:AlternateContent xmlns:mc="http://schemas.openxmlformats.org/markup-compatibility/2006">
-          <mc:Choice xmlns:a14="http://schemas.microsoft.com/office/drawing/2010/main" Requires="a14">
+        <mc:AlternateContent xmlns:mc="http://schemas.openxmlformats.org/markup-compatibility/2006" xmlns:a14="http://schemas.microsoft.com/office/drawing/2010/main">
+          <mc:Choice Requires="a14">
             <p:sp>
               <p:nvSpPr>
                 <p:cNvPr id="125" name="CuadroTexto 124">
@@ -11542,6 +11563,7 @@
                 </a:bodyPr>
                 <a:lstStyle/>
                 <a:p>
+                  <a:pPr/>
                   <a14:m>
                     <m:oMathPara xmlns:m="http://schemas.openxmlformats.org/officeDocument/2006/math">
                       <m:oMathParaPr>
@@ -11580,7 +11602,7 @@
               </p:txBody>
             </p:sp>
           </mc:Choice>
-          <mc:Fallback>
+          <mc:Fallback xmlns="">
             <p:sp>
               <p:nvSpPr>
                 <p:cNvPr id="125" name="CuadroTexto 124">
@@ -11625,8 +11647,8 @@
             </p:sp>
           </mc:Fallback>
         </mc:AlternateContent>
-        <mc:AlternateContent xmlns:mc="http://schemas.openxmlformats.org/markup-compatibility/2006">
-          <mc:Choice xmlns:a14="http://schemas.microsoft.com/office/drawing/2010/main" Requires="a14">
+        <mc:AlternateContent xmlns:mc="http://schemas.openxmlformats.org/markup-compatibility/2006" xmlns:a14="http://schemas.microsoft.com/office/drawing/2010/main">
+          <mc:Choice Requires="a14">
             <p:sp>
               <p:nvSpPr>
                 <p:cNvPr id="126" name="CuadroTexto 125">
@@ -11655,6 +11677,7 @@
                 </a:bodyPr>
                 <a:lstStyle/>
                 <a:p>
+                  <a:pPr/>
                   <a14:m>
                     <m:oMathPara xmlns:m="http://schemas.openxmlformats.org/officeDocument/2006/math">
                       <m:oMathParaPr>
@@ -11693,7 +11716,7 @@
               </p:txBody>
             </p:sp>
           </mc:Choice>
-          <mc:Fallback>
+          <mc:Fallback xmlns="">
             <p:sp>
               <p:nvSpPr>
                 <p:cNvPr id="126" name="CuadroTexto 125">
@@ -11970,8 +11993,8 @@
           </p:style>
         </p:cxnSp>
       </p:grpSp>
-      <mc:AlternateContent xmlns:mc="http://schemas.openxmlformats.org/markup-compatibility/2006">
-        <mc:Choice xmlns:a14="http://schemas.microsoft.com/office/drawing/2010/main" Requires="a14">
+      <mc:AlternateContent xmlns:mc="http://schemas.openxmlformats.org/markup-compatibility/2006" xmlns:a14="http://schemas.microsoft.com/office/drawing/2010/main">
+        <mc:Choice Requires="a14">
           <p:sp>
             <p:nvSpPr>
               <p:cNvPr id="27" name="Rectángulo 26">
@@ -11999,6 +12022,7 @@
               </a:bodyPr>
               <a:lstStyle/>
               <a:p>
+                <a:pPr/>
                 <a14:m>
                   <m:oMathPara xmlns:m="http://schemas.openxmlformats.org/officeDocument/2006/math">
                     <m:oMathParaPr>
@@ -12100,7 +12124,7 @@
             </p:txBody>
           </p:sp>
         </mc:Choice>
-        <mc:Fallback>
+        <mc:Fallback xmlns="">
           <p:sp>
             <p:nvSpPr>
               <p:cNvPr id="27" name="Rectángulo 26">
@@ -12145,8 +12169,8 @@
           </p:sp>
         </mc:Fallback>
       </mc:AlternateContent>
-      <mc:AlternateContent xmlns:mc="http://schemas.openxmlformats.org/markup-compatibility/2006">
-        <mc:Choice xmlns:a14="http://schemas.microsoft.com/office/drawing/2010/main" Requires="a14">
+      <mc:AlternateContent xmlns:mc="http://schemas.openxmlformats.org/markup-compatibility/2006" xmlns:a14="http://schemas.microsoft.com/office/drawing/2010/main">
+        <mc:Choice Requires="a14">
           <p:sp>
             <p:nvSpPr>
               <p:cNvPr id="28" name="Rectángulo 27">
@@ -12174,6 +12198,7 @@
               </a:bodyPr>
               <a:lstStyle/>
               <a:p>
+                <a:pPr/>
                 <a14:m>
                   <m:oMathPara xmlns:m="http://schemas.openxmlformats.org/officeDocument/2006/math">
                     <m:oMathParaPr>
@@ -12263,7 +12288,7 @@
             </p:txBody>
           </p:sp>
         </mc:Choice>
-        <mc:Fallback>
+        <mc:Fallback xmlns="">
           <p:sp>
             <p:nvSpPr>
               <p:cNvPr id="28" name="Rectángulo 27">
@@ -12308,8 +12333,8 @@
           </p:sp>
         </mc:Fallback>
       </mc:AlternateContent>
-      <mc:AlternateContent xmlns:mc="http://schemas.openxmlformats.org/markup-compatibility/2006">
-        <mc:Choice xmlns:a14="http://schemas.microsoft.com/office/drawing/2010/main" Requires="a14">
+      <mc:AlternateContent xmlns:mc="http://schemas.openxmlformats.org/markup-compatibility/2006" xmlns:a14="http://schemas.microsoft.com/office/drawing/2010/main">
+        <mc:Choice Requires="a14">
           <p:sp>
             <p:nvSpPr>
               <p:cNvPr id="33" name="Rectángulo 32">
@@ -12530,7 +12555,7 @@
             </p:txBody>
           </p:sp>
         </mc:Choice>
-        <mc:Fallback>
+        <mc:Fallback xmlns="">
           <p:sp>
             <p:nvSpPr>
               <p:cNvPr id="33" name="Rectángulo 32">
@@ -12665,8 +12690,8 @@
           </a:p>
         </p:txBody>
       </p:sp>
-      <mc:AlternateContent xmlns:mc="http://schemas.openxmlformats.org/markup-compatibility/2006">
-        <mc:Choice xmlns:a14="http://schemas.microsoft.com/office/drawing/2010/main" Requires="a14">
+      <mc:AlternateContent xmlns:mc="http://schemas.openxmlformats.org/markup-compatibility/2006" xmlns:a14="http://schemas.microsoft.com/office/drawing/2010/main">
+        <mc:Choice Requires="a14">
           <p:sp>
             <p:nvSpPr>
               <p:cNvPr id="31" name="CuadroTexto 30">
@@ -12952,7 +12977,7 @@
             </p:txBody>
           </p:sp>
         </mc:Choice>
-        <mc:Fallback>
+        <mc:Fallback xmlns="">
           <p:sp>
             <p:nvSpPr>
               <p:cNvPr id="31" name="CuadroTexto 30">
@@ -12997,8 +13022,8 @@
           </p:sp>
         </mc:Fallback>
       </mc:AlternateContent>
-      <mc:AlternateContent xmlns:mc="http://schemas.openxmlformats.org/markup-compatibility/2006">
-        <mc:Choice xmlns:a14="http://schemas.microsoft.com/office/drawing/2010/main" Requires="a14">
+      <mc:AlternateContent xmlns:mc="http://schemas.openxmlformats.org/markup-compatibility/2006" xmlns:a14="http://schemas.microsoft.com/office/drawing/2010/main">
+        <mc:Choice Requires="a14">
           <p:sp>
             <p:nvSpPr>
               <p:cNvPr id="32" name="CuadroTexto 31">
@@ -13251,7 +13276,7 @@
             </p:txBody>
           </p:sp>
         </mc:Choice>
-        <mc:Fallback>
+        <mc:Fallback xmlns="">
           <p:sp>
             <p:nvSpPr>
               <p:cNvPr id="32" name="CuadroTexto 31">
@@ -13296,8 +13321,8 @@
           </p:sp>
         </mc:Fallback>
       </mc:AlternateContent>
-      <mc:AlternateContent xmlns:mc="http://schemas.openxmlformats.org/markup-compatibility/2006">
-        <mc:Choice xmlns:a14="http://schemas.microsoft.com/office/drawing/2010/main" Requires="a14">
+      <mc:AlternateContent xmlns:mc="http://schemas.openxmlformats.org/markup-compatibility/2006" xmlns:a14="http://schemas.microsoft.com/office/drawing/2010/main">
+        <mc:Choice Requires="a14">
           <p:sp>
             <p:nvSpPr>
               <p:cNvPr id="40" name="Rectángulo 39">
@@ -13355,7 +13380,7 @@
             </p:txBody>
           </p:sp>
         </mc:Choice>
-        <mc:Fallback>
+        <mc:Fallback xmlns="">
           <p:sp>
             <p:nvSpPr>
               <p:cNvPr id="40" name="Rectángulo 39">
@@ -13400,8 +13425,8 @@
           </p:sp>
         </mc:Fallback>
       </mc:AlternateContent>
-      <mc:AlternateContent xmlns:mc="http://schemas.openxmlformats.org/markup-compatibility/2006">
-        <mc:Choice xmlns:a14="http://schemas.microsoft.com/office/drawing/2010/main" Requires="a14">
+      <mc:AlternateContent xmlns:mc="http://schemas.openxmlformats.org/markup-compatibility/2006" xmlns:a14="http://schemas.microsoft.com/office/drawing/2010/main">
+        <mc:Choice Requires="a14">
           <p:sp>
             <p:nvSpPr>
               <p:cNvPr id="2" name="CuadroTexto 1">
@@ -13695,7 +13720,7 @@
             </p:txBody>
           </p:sp>
         </mc:Choice>
-        <mc:Fallback>
+        <mc:Fallback xmlns="">
           <p:sp>
             <p:nvSpPr>
               <p:cNvPr id="2" name="CuadroTexto 1">
@@ -14382,8 +14407,8 @@
             </a:p>
           </p:txBody>
         </p:sp>
-        <mc:AlternateContent xmlns:mc="http://schemas.openxmlformats.org/markup-compatibility/2006">
-          <mc:Choice xmlns:a14="http://schemas.microsoft.com/office/drawing/2010/main" Requires="a14">
+        <mc:AlternateContent xmlns:mc="http://schemas.openxmlformats.org/markup-compatibility/2006" xmlns:a14="http://schemas.microsoft.com/office/drawing/2010/main">
+          <mc:Choice Requires="a14">
             <p:sp>
               <p:nvSpPr>
                 <p:cNvPr id="48" name="Rectángulo 47">
@@ -14432,7 +14457,7 @@
               </p:txBody>
             </p:sp>
           </mc:Choice>
-          <mc:Fallback>
+          <mc:Fallback xmlns="">
             <p:sp>
               <p:nvSpPr>
                 <p:cNvPr id="48" name="Rectángulo 47">
@@ -14477,8 +14502,8 @@
             </p:sp>
           </mc:Fallback>
         </mc:AlternateContent>
-        <mc:AlternateContent xmlns:mc="http://schemas.openxmlformats.org/markup-compatibility/2006">
-          <mc:Choice xmlns:a14="http://schemas.microsoft.com/office/drawing/2010/main" Requires="a14">
+        <mc:AlternateContent xmlns:mc="http://schemas.openxmlformats.org/markup-compatibility/2006" xmlns:a14="http://schemas.microsoft.com/office/drawing/2010/main">
+          <mc:Choice Requires="a14">
             <p:sp>
               <p:nvSpPr>
                 <p:cNvPr id="49" name="Rectángulo 48">
@@ -14527,7 +14552,7 @@
               </p:txBody>
             </p:sp>
           </mc:Choice>
-          <mc:Fallback>
+          <mc:Fallback xmlns="">
             <p:sp>
               <p:nvSpPr>
                 <p:cNvPr id="49" name="Rectángulo 48">
@@ -14857,8 +14882,8 @@
             </a:fontRef>
           </p:style>
         </p:cxnSp>
-        <mc:AlternateContent xmlns:mc="http://schemas.openxmlformats.org/markup-compatibility/2006">
-          <mc:Choice xmlns:a14="http://schemas.microsoft.com/office/drawing/2010/main" Requires="a14">
+        <mc:AlternateContent xmlns:mc="http://schemas.openxmlformats.org/markup-compatibility/2006" xmlns:a14="http://schemas.microsoft.com/office/drawing/2010/main">
+          <mc:Choice Requires="a14">
             <p:sp>
               <p:nvSpPr>
                 <p:cNvPr id="19" name="Rectángulo 18">
@@ -14886,6 +14911,7 @@
                 </a:bodyPr>
                 <a:lstStyle/>
                 <a:p>
+                  <a:pPr/>
                   <a14:m>
                     <m:oMathPara xmlns:m="http://schemas.openxmlformats.org/officeDocument/2006/math">
                       <m:oMathParaPr>
@@ -14934,7 +14960,7 @@
               </p:txBody>
             </p:sp>
           </mc:Choice>
-          <mc:Fallback>
+          <mc:Fallback xmlns="">
             <p:sp>
               <p:nvSpPr>
                 <p:cNvPr id="19" name="Rectángulo 18">
@@ -14979,8 +15005,8 @@
             </p:sp>
           </mc:Fallback>
         </mc:AlternateContent>
-        <mc:AlternateContent xmlns:mc="http://schemas.openxmlformats.org/markup-compatibility/2006">
-          <mc:Choice xmlns:a14="http://schemas.microsoft.com/office/drawing/2010/main" Requires="a14">
+        <mc:AlternateContent xmlns:mc="http://schemas.openxmlformats.org/markup-compatibility/2006" xmlns:a14="http://schemas.microsoft.com/office/drawing/2010/main">
+          <mc:Choice Requires="a14">
             <p:sp>
               <p:nvSpPr>
                 <p:cNvPr id="98" name="Rectángulo 97">
@@ -15008,6 +15034,7 @@
                 </a:bodyPr>
                 <a:lstStyle/>
                 <a:p>
+                  <a:pPr/>
                   <a14:m>
                     <m:oMathPara xmlns:m="http://schemas.openxmlformats.org/officeDocument/2006/math">
                       <m:oMathParaPr>
@@ -15056,7 +15083,7 @@
               </p:txBody>
             </p:sp>
           </mc:Choice>
-          <mc:Fallback>
+          <mc:Fallback xmlns="">
             <p:sp>
               <p:nvSpPr>
                 <p:cNvPr id="98" name="Rectángulo 97">
@@ -15101,8 +15128,8 @@
             </p:sp>
           </mc:Fallback>
         </mc:AlternateContent>
-        <mc:AlternateContent xmlns:mc="http://schemas.openxmlformats.org/markup-compatibility/2006">
-          <mc:Choice xmlns:a14="http://schemas.microsoft.com/office/drawing/2010/main" Requires="a14">
+        <mc:AlternateContent xmlns:mc="http://schemas.openxmlformats.org/markup-compatibility/2006" xmlns:a14="http://schemas.microsoft.com/office/drawing/2010/main">
+          <mc:Choice Requires="a14">
             <p:sp>
               <p:nvSpPr>
                 <p:cNvPr id="99" name="Rectángulo 98">
@@ -15130,6 +15157,7 @@
                 </a:bodyPr>
                 <a:lstStyle/>
                 <a:p>
+                  <a:pPr/>
                   <a14:m>
                     <m:oMathPara xmlns:m="http://schemas.openxmlformats.org/officeDocument/2006/math">
                       <m:oMathParaPr>
@@ -15178,7 +15206,7 @@
               </p:txBody>
             </p:sp>
           </mc:Choice>
-          <mc:Fallback>
+          <mc:Fallback xmlns="">
             <p:sp>
               <p:nvSpPr>
                 <p:cNvPr id="99" name="Rectángulo 98">
@@ -15223,8 +15251,8 @@
             </p:sp>
           </mc:Fallback>
         </mc:AlternateContent>
-        <mc:AlternateContent xmlns:mc="http://schemas.openxmlformats.org/markup-compatibility/2006">
-          <mc:Choice xmlns:a14="http://schemas.microsoft.com/office/drawing/2010/main" Requires="a14">
+        <mc:AlternateContent xmlns:mc="http://schemas.openxmlformats.org/markup-compatibility/2006" xmlns:a14="http://schemas.microsoft.com/office/drawing/2010/main">
+          <mc:Choice Requires="a14">
             <p:sp>
               <p:nvSpPr>
                 <p:cNvPr id="20" name="CuadroTexto 19">
@@ -15253,6 +15281,7 @@
                 </a:bodyPr>
                 <a:lstStyle/>
                 <a:p>
+                  <a:pPr/>
                   <a14:m>
                     <m:oMathPara xmlns:m="http://schemas.openxmlformats.org/officeDocument/2006/math">
                       <m:oMathParaPr>
@@ -15281,7 +15310,7 @@
               </p:txBody>
             </p:sp>
           </mc:Choice>
-          <mc:Fallback>
+          <mc:Fallback xmlns="">
             <p:sp>
               <p:nvSpPr>
                 <p:cNvPr id="20" name="CuadroTexto 19">
@@ -15326,8 +15355,8 @@
             </p:sp>
           </mc:Fallback>
         </mc:AlternateContent>
-        <mc:AlternateContent xmlns:mc="http://schemas.openxmlformats.org/markup-compatibility/2006">
-          <mc:Choice xmlns:a14="http://schemas.microsoft.com/office/drawing/2010/main" Requires="a14">
+        <mc:AlternateContent xmlns:mc="http://schemas.openxmlformats.org/markup-compatibility/2006" xmlns:a14="http://schemas.microsoft.com/office/drawing/2010/main">
+          <mc:Choice Requires="a14">
             <p:sp>
               <p:nvSpPr>
                 <p:cNvPr id="100" name="CuadroTexto 99">
@@ -15356,6 +15385,7 @@
                 </a:bodyPr>
                 <a:lstStyle/>
                 <a:p>
+                  <a:pPr/>
                   <a14:m>
                     <m:oMathPara xmlns:m="http://schemas.openxmlformats.org/officeDocument/2006/math">
                       <m:oMathParaPr>
@@ -15384,7 +15414,7 @@
               </p:txBody>
             </p:sp>
           </mc:Choice>
-          <mc:Fallback>
+          <mc:Fallback xmlns="">
             <p:sp>
               <p:nvSpPr>
                 <p:cNvPr id="100" name="CuadroTexto 99">
@@ -15429,8 +15459,8 @@
             </p:sp>
           </mc:Fallback>
         </mc:AlternateContent>
-        <mc:AlternateContent xmlns:mc="http://schemas.openxmlformats.org/markup-compatibility/2006">
-          <mc:Choice xmlns:a14="http://schemas.microsoft.com/office/drawing/2010/main" Requires="a14">
+        <mc:AlternateContent xmlns:mc="http://schemas.openxmlformats.org/markup-compatibility/2006" xmlns:a14="http://schemas.microsoft.com/office/drawing/2010/main">
+          <mc:Choice Requires="a14">
             <p:sp>
               <p:nvSpPr>
                 <p:cNvPr id="101" name="CuadroTexto 100">
@@ -15459,6 +15489,7 @@
                 </a:bodyPr>
                 <a:lstStyle/>
                 <a:p>
+                  <a:pPr/>
                   <a14:m>
                     <m:oMathPara xmlns:m="http://schemas.openxmlformats.org/officeDocument/2006/math">
                       <m:oMathParaPr>
@@ -15487,7 +15518,7 @@
               </p:txBody>
             </p:sp>
           </mc:Choice>
-          <mc:Fallback>
+          <mc:Fallback xmlns="">
             <p:sp>
               <p:nvSpPr>
                 <p:cNvPr id="101" name="CuadroTexto 100">
@@ -15572,8 +15603,8 @@
                 <a:chExt cx="579125" cy="815926"/>
               </a:xfrm>
             </p:grpSpPr>
-            <mc:AlternateContent xmlns:mc="http://schemas.openxmlformats.org/markup-compatibility/2006">
-              <mc:Choice xmlns:a14="http://schemas.microsoft.com/office/drawing/2010/main" Requires="a14">
+            <mc:AlternateContent xmlns:mc="http://schemas.openxmlformats.org/markup-compatibility/2006" xmlns:a14="http://schemas.microsoft.com/office/drawing/2010/main">
+              <mc:Choice Requires="a14">
                 <p:sp>
                   <p:nvSpPr>
                     <p:cNvPr id="102" name="CuadroTexto 101">
@@ -15602,6 +15633,7 @@
                     </a:bodyPr>
                     <a:lstStyle/>
                     <a:p>
+                      <a:pPr/>
                       <a14:m>
                         <m:oMathPara xmlns:m="http://schemas.openxmlformats.org/officeDocument/2006/math">
                           <m:oMathParaPr>
@@ -15630,7 +15662,7 @@
                   </p:txBody>
                 </p:sp>
               </mc:Choice>
-              <mc:Fallback>
+              <mc:Fallback xmlns="">
                 <p:sp>
                   <p:nvSpPr>
                     <p:cNvPr id="102" name="CuadroTexto 101">
@@ -15767,8 +15799,8 @@
                 </a:fontRef>
               </p:style>
             </p:cxnSp>
-            <mc:AlternateContent xmlns:mc="http://schemas.openxmlformats.org/markup-compatibility/2006">
-              <mc:Choice xmlns:a14="http://schemas.microsoft.com/office/drawing/2010/main" Requires="a14">
+            <mc:AlternateContent xmlns:mc="http://schemas.openxmlformats.org/markup-compatibility/2006" xmlns:a14="http://schemas.microsoft.com/office/drawing/2010/main">
+              <mc:Choice Requires="a14">
                 <p:sp>
                   <p:nvSpPr>
                     <p:cNvPr id="105" name="Rectángulo 104">
@@ -15796,6 +15828,7 @@
                     </a:bodyPr>
                     <a:lstStyle/>
                     <a:p>
+                      <a:pPr/>
                       <a14:m>
                         <m:oMathPara xmlns:m="http://schemas.openxmlformats.org/officeDocument/2006/math">
                           <m:oMathParaPr>
@@ -15844,7 +15877,7 @@
                   </p:txBody>
                 </p:sp>
               </mc:Choice>
-              <mc:Fallback>
+              <mc:Fallback xmlns="">
                 <p:sp>
                   <p:nvSpPr>
                     <p:cNvPr id="105" name="Rectángulo 104">
@@ -15889,8 +15922,8 @@
                 </p:sp>
               </mc:Fallback>
             </mc:AlternateContent>
-            <mc:AlternateContent xmlns:mc="http://schemas.openxmlformats.org/markup-compatibility/2006">
-              <mc:Choice xmlns:a14="http://schemas.microsoft.com/office/drawing/2010/main" Requires="a14">
+            <mc:AlternateContent xmlns:mc="http://schemas.openxmlformats.org/markup-compatibility/2006" xmlns:a14="http://schemas.microsoft.com/office/drawing/2010/main">
+              <mc:Choice Requires="a14">
                 <p:sp>
                   <p:nvSpPr>
                     <p:cNvPr id="108" name="Rectángulo 107">
@@ -15918,6 +15951,7 @@
                     </a:bodyPr>
                     <a:lstStyle/>
                     <a:p>
+                      <a:pPr/>
                       <a14:m>
                         <m:oMathPara xmlns:m="http://schemas.openxmlformats.org/officeDocument/2006/math">
                           <m:oMathParaPr>
@@ -15957,7 +15991,7 @@
                   </p:txBody>
                 </p:sp>
               </mc:Choice>
-              <mc:Fallback>
+              <mc:Fallback xmlns="">
                 <p:sp>
                   <p:nvSpPr>
                     <p:cNvPr id="108" name="Rectángulo 107">
@@ -16002,8 +16036,8 @@
                 </p:sp>
               </mc:Fallback>
             </mc:AlternateContent>
-            <mc:AlternateContent xmlns:mc="http://schemas.openxmlformats.org/markup-compatibility/2006">
-              <mc:Choice xmlns:a14="http://schemas.microsoft.com/office/drawing/2010/main" Requires="a14">
+            <mc:AlternateContent xmlns:mc="http://schemas.openxmlformats.org/markup-compatibility/2006" xmlns:a14="http://schemas.microsoft.com/office/drawing/2010/main">
+              <mc:Choice Requires="a14">
                 <p:sp>
                   <p:nvSpPr>
                     <p:cNvPr id="109" name="Rectángulo 108">
@@ -16031,6 +16065,7 @@
                     </a:bodyPr>
                     <a:lstStyle/>
                     <a:p>
+                      <a:pPr/>
                       <a14:m>
                         <m:oMathPara xmlns:m="http://schemas.openxmlformats.org/officeDocument/2006/math">
                           <m:oMathParaPr>
@@ -16079,7 +16114,7 @@
                   </p:txBody>
                 </p:sp>
               </mc:Choice>
-              <mc:Fallback>
+              <mc:Fallback xmlns="">
                 <p:sp>
                   <p:nvSpPr>
                     <p:cNvPr id="109" name="Rectángulo 108">
@@ -16178,8 +16213,8 @@
             </p:txBody>
           </p:sp>
         </p:grpSp>
-        <mc:AlternateContent xmlns:mc="http://schemas.openxmlformats.org/markup-compatibility/2006">
-          <mc:Choice xmlns:a14="http://schemas.microsoft.com/office/drawing/2010/main" Requires="a14">
+        <mc:AlternateContent xmlns:mc="http://schemas.openxmlformats.org/markup-compatibility/2006" xmlns:a14="http://schemas.microsoft.com/office/drawing/2010/main">
+          <mc:Choice Requires="a14">
             <p:sp>
               <p:nvSpPr>
                 <p:cNvPr id="110" name="Rectángulo 109">
@@ -16207,6 +16242,7 @@
                 </a:bodyPr>
                 <a:lstStyle/>
                 <a:p>
+                  <a:pPr/>
                   <a14:m>
                     <m:oMathPara xmlns:m="http://schemas.openxmlformats.org/officeDocument/2006/math">
                       <m:oMathParaPr>
@@ -16259,7 +16295,7 @@
               </p:txBody>
             </p:sp>
           </mc:Choice>
-          <mc:Fallback>
+          <mc:Fallback xmlns="">
             <p:sp>
               <p:nvSpPr>
                 <p:cNvPr id="110" name="Rectángulo 109">
@@ -16304,8 +16340,8 @@
             </p:sp>
           </mc:Fallback>
         </mc:AlternateContent>
-        <mc:AlternateContent xmlns:mc="http://schemas.openxmlformats.org/markup-compatibility/2006">
-          <mc:Choice xmlns:a14="http://schemas.microsoft.com/office/drawing/2010/main" Requires="a14">
+        <mc:AlternateContent xmlns:mc="http://schemas.openxmlformats.org/markup-compatibility/2006" xmlns:a14="http://schemas.microsoft.com/office/drawing/2010/main">
+          <mc:Choice Requires="a14">
             <p:sp>
               <p:nvSpPr>
                 <p:cNvPr id="111" name="Rectángulo 110">
@@ -16333,6 +16369,7 @@
                 </a:bodyPr>
                 <a:lstStyle/>
                 <a:p>
+                  <a:pPr/>
                   <a14:m>
                     <m:oMathPara xmlns:m="http://schemas.openxmlformats.org/officeDocument/2006/math">
                       <m:oMathParaPr>
@@ -16372,7 +16409,7 @@
               </p:txBody>
             </p:sp>
           </mc:Choice>
-          <mc:Fallback>
+          <mc:Fallback xmlns="">
             <p:sp>
               <p:nvSpPr>
                 <p:cNvPr id="111" name="Rectángulo 110">
@@ -16417,8 +16454,8 @@
             </p:sp>
           </mc:Fallback>
         </mc:AlternateContent>
-        <mc:AlternateContent xmlns:mc="http://schemas.openxmlformats.org/markup-compatibility/2006">
-          <mc:Choice xmlns:a14="http://schemas.microsoft.com/office/drawing/2010/main" Requires="a14">
+        <mc:AlternateContent xmlns:mc="http://schemas.openxmlformats.org/markup-compatibility/2006" xmlns:a14="http://schemas.microsoft.com/office/drawing/2010/main">
+          <mc:Choice Requires="a14">
             <p:sp>
               <p:nvSpPr>
                 <p:cNvPr id="114" name="Rectángulo 113">
@@ -16446,6 +16483,7 @@
                 </a:bodyPr>
                 <a:lstStyle/>
                 <a:p>
+                  <a:pPr/>
                   <a14:m>
                     <m:oMathPara xmlns:m="http://schemas.openxmlformats.org/officeDocument/2006/math">
                       <m:oMathParaPr>
@@ -16498,7 +16536,7 @@
               </p:txBody>
             </p:sp>
           </mc:Choice>
-          <mc:Fallback>
+          <mc:Fallback xmlns="">
             <p:sp>
               <p:nvSpPr>
                 <p:cNvPr id="114" name="Rectángulo 113">
@@ -16543,8 +16581,8 @@
             </p:sp>
           </mc:Fallback>
         </mc:AlternateContent>
-        <mc:AlternateContent xmlns:mc="http://schemas.openxmlformats.org/markup-compatibility/2006">
-          <mc:Choice xmlns:a14="http://schemas.microsoft.com/office/drawing/2010/main" Requires="a14">
+        <mc:AlternateContent xmlns:mc="http://schemas.openxmlformats.org/markup-compatibility/2006" xmlns:a14="http://schemas.microsoft.com/office/drawing/2010/main">
+          <mc:Choice Requires="a14">
             <p:sp>
               <p:nvSpPr>
                 <p:cNvPr id="115" name="Rectángulo 114">
@@ -16572,6 +16610,7 @@
                 </a:bodyPr>
                 <a:lstStyle/>
                 <a:p>
+                  <a:pPr/>
                   <a14:m>
                     <m:oMathPara xmlns:m="http://schemas.openxmlformats.org/officeDocument/2006/math">
                       <m:oMathParaPr>
@@ -16611,7 +16650,7 @@
               </p:txBody>
             </p:sp>
           </mc:Choice>
-          <mc:Fallback>
+          <mc:Fallback xmlns="">
             <p:sp>
               <p:nvSpPr>
                 <p:cNvPr id="115" name="Rectángulo 114">
@@ -16656,8 +16695,8 @@
             </p:sp>
           </mc:Fallback>
         </mc:AlternateContent>
-        <mc:AlternateContent xmlns:mc="http://schemas.openxmlformats.org/markup-compatibility/2006">
-          <mc:Choice xmlns:a14="http://schemas.microsoft.com/office/drawing/2010/main" Requires="a14">
+        <mc:AlternateContent xmlns:mc="http://schemas.openxmlformats.org/markup-compatibility/2006" xmlns:a14="http://schemas.microsoft.com/office/drawing/2010/main">
+          <mc:Choice Requires="a14">
             <p:sp>
               <p:nvSpPr>
                 <p:cNvPr id="116" name="Rectángulo 115">
@@ -16685,6 +16724,7 @@
                 </a:bodyPr>
                 <a:lstStyle/>
                 <a:p>
+                  <a:pPr/>
                   <a14:m>
                     <m:oMathPara xmlns:m="http://schemas.openxmlformats.org/officeDocument/2006/math">
                       <m:oMathParaPr>
@@ -16724,7 +16764,7 @@
               </p:txBody>
             </p:sp>
           </mc:Choice>
-          <mc:Fallback>
+          <mc:Fallback xmlns="">
             <p:sp>
               <p:nvSpPr>
                 <p:cNvPr id="116" name="Rectángulo 115">
@@ -16769,8 +16809,8 @@
             </p:sp>
           </mc:Fallback>
         </mc:AlternateContent>
-        <mc:AlternateContent xmlns:mc="http://schemas.openxmlformats.org/markup-compatibility/2006">
-          <mc:Choice xmlns:a14="http://schemas.microsoft.com/office/drawing/2010/main" Requires="a14">
+        <mc:AlternateContent xmlns:mc="http://schemas.openxmlformats.org/markup-compatibility/2006" xmlns:a14="http://schemas.microsoft.com/office/drawing/2010/main">
+          <mc:Choice Requires="a14">
             <p:sp>
               <p:nvSpPr>
                 <p:cNvPr id="117" name="Rectángulo 116">
@@ -16798,6 +16838,7 @@
                 </a:bodyPr>
                 <a:lstStyle/>
                 <a:p>
+                  <a:pPr/>
                   <a14:m>
                     <m:oMathPara xmlns:m="http://schemas.openxmlformats.org/officeDocument/2006/math">
                       <m:oMathParaPr>
@@ -16837,7 +16878,7 @@
               </p:txBody>
             </p:sp>
           </mc:Choice>
-          <mc:Fallback>
+          <mc:Fallback xmlns="">
             <p:sp>
               <p:nvSpPr>
                 <p:cNvPr id="117" name="Rectángulo 116">
@@ -16882,8 +16923,8 @@
             </p:sp>
           </mc:Fallback>
         </mc:AlternateContent>
-        <mc:AlternateContent xmlns:mc="http://schemas.openxmlformats.org/markup-compatibility/2006">
-          <mc:Choice xmlns:a14="http://schemas.microsoft.com/office/drawing/2010/main" Requires="a14">
+        <mc:AlternateContent xmlns:mc="http://schemas.openxmlformats.org/markup-compatibility/2006" xmlns:a14="http://schemas.microsoft.com/office/drawing/2010/main">
+          <mc:Choice Requires="a14">
             <p:sp>
               <p:nvSpPr>
                 <p:cNvPr id="118" name="CuadroTexto 117">
@@ -16957,7 +16998,7 @@
               </p:txBody>
             </p:sp>
           </mc:Choice>
-          <mc:Fallback>
+          <mc:Fallback xmlns="">
             <p:sp>
               <p:nvSpPr>
                 <p:cNvPr id="118" name="CuadroTexto 117">
@@ -17003,8 +17044,8 @@
           </mc:Fallback>
         </mc:AlternateContent>
       </p:grpSp>
-      <mc:AlternateContent xmlns:mc="http://schemas.openxmlformats.org/markup-compatibility/2006">
-        <mc:Choice xmlns:a14="http://schemas.microsoft.com/office/drawing/2010/main" Requires="a14">
+      <mc:AlternateContent xmlns:mc="http://schemas.openxmlformats.org/markup-compatibility/2006" xmlns:a14="http://schemas.microsoft.com/office/drawing/2010/main">
+        <mc:Choice Requires="a14">
           <p:sp>
             <p:nvSpPr>
               <p:cNvPr id="33" name="Rectángulo 32">
@@ -17225,7 +17266,7 @@
             </p:txBody>
           </p:sp>
         </mc:Choice>
-        <mc:Fallback>
+        <mc:Fallback xmlns="">
           <p:sp>
             <p:nvSpPr>
               <p:cNvPr id="33" name="Rectángulo 32">
@@ -17270,8 +17311,8 @@
           </p:sp>
         </mc:Fallback>
       </mc:AlternateContent>
-      <mc:AlternateContent xmlns:mc="http://schemas.openxmlformats.org/markup-compatibility/2006">
-        <mc:Choice xmlns:a14="http://schemas.microsoft.com/office/drawing/2010/main" Requires="a14">
+      <mc:AlternateContent xmlns:mc="http://schemas.openxmlformats.org/markup-compatibility/2006" xmlns:a14="http://schemas.microsoft.com/office/drawing/2010/main">
+        <mc:Choice Requires="a14">
           <p:sp>
             <p:nvSpPr>
               <p:cNvPr id="74" name="CuadroTexto 73">
@@ -17432,7 +17473,7 @@
             </p:txBody>
           </p:sp>
         </mc:Choice>
-        <mc:Fallback>
+        <mc:Fallback xmlns="">
           <p:sp>
             <p:nvSpPr>
               <p:cNvPr id="74" name="CuadroTexto 73">
@@ -17477,8 +17518,8 @@
           </p:sp>
         </mc:Fallback>
       </mc:AlternateContent>
-      <mc:AlternateContent xmlns:mc="http://schemas.openxmlformats.org/markup-compatibility/2006">
-        <mc:Choice xmlns:a14="http://schemas.microsoft.com/office/drawing/2010/main" Requires="a14">
+      <mc:AlternateContent xmlns:mc="http://schemas.openxmlformats.org/markup-compatibility/2006" xmlns:a14="http://schemas.microsoft.com/office/drawing/2010/main">
+        <mc:Choice Requires="a14">
           <p:sp>
             <p:nvSpPr>
               <p:cNvPr id="76" name="Rectángulo 75">
@@ -17609,7 +17650,7 @@
             </p:txBody>
           </p:sp>
         </mc:Choice>
-        <mc:Fallback>
+        <mc:Fallback xmlns="">
           <p:sp>
             <p:nvSpPr>
               <p:cNvPr id="76" name="Rectángulo 75">
@@ -17654,8 +17695,8 @@
           </p:sp>
         </mc:Fallback>
       </mc:AlternateContent>
-      <mc:AlternateContent xmlns:mc="http://schemas.openxmlformats.org/markup-compatibility/2006">
-        <mc:Choice xmlns:a14="http://schemas.microsoft.com/office/drawing/2010/main" Requires="a14">
+      <mc:AlternateContent xmlns:mc="http://schemas.openxmlformats.org/markup-compatibility/2006" xmlns:a14="http://schemas.microsoft.com/office/drawing/2010/main">
+        <mc:Choice Requires="a14">
           <p:sp>
             <p:nvSpPr>
               <p:cNvPr id="3" name="Rectángulo 2">
@@ -17683,6 +17724,7 @@
               </a:bodyPr>
               <a:lstStyle/>
               <a:p>
+                <a:pPr/>
                 <a14:m>
                   <m:oMathPara xmlns:m="http://schemas.openxmlformats.org/officeDocument/2006/math">
                     <m:oMathParaPr>
@@ -18049,7 +18091,7 @@
             </p:txBody>
           </p:sp>
         </mc:Choice>
-        <mc:Fallback>
+        <mc:Fallback xmlns="">
           <p:sp>
             <p:nvSpPr>
               <p:cNvPr id="3" name="Rectángulo 2">
@@ -18114,8 +18156,8 @@
             <a:chExt cx="1992405" cy="2239780"/>
           </a:xfrm>
         </p:grpSpPr>
-        <mc:AlternateContent xmlns:mc="http://schemas.openxmlformats.org/markup-compatibility/2006">
-          <mc:Choice xmlns:a14="http://schemas.microsoft.com/office/drawing/2010/main" Requires="a14">
+        <mc:AlternateContent xmlns:mc="http://schemas.openxmlformats.org/markup-compatibility/2006" xmlns:a14="http://schemas.microsoft.com/office/drawing/2010/main">
+          <mc:Choice Requires="a14">
             <p:sp>
               <p:nvSpPr>
                 <p:cNvPr id="79" name="Rectángulo 78">
@@ -18364,7 +18406,7 @@
               </p:txBody>
             </p:sp>
           </mc:Choice>
-          <mc:Fallback>
+          <mc:Fallback xmlns="">
             <p:sp>
               <p:nvSpPr>
                 <p:cNvPr id="79" name="Rectángulo 78">
@@ -18902,8 +18944,8 @@
           </p:txBody>
         </p:sp>
       </p:grpSp>
-      <mc:AlternateContent xmlns:mc="http://schemas.openxmlformats.org/markup-compatibility/2006">
-        <mc:Choice xmlns:a14="http://schemas.microsoft.com/office/drawing/2010/main" Requires="a14">
+      <mc:AlternateContent xmlns:mc="http://schemas.openxmlformats.org/markup-compatibility/2006" xmlns:a14="http://schemas.microsoft.com/office/drawing/2010/main">
+        <mc:Choice Requires="a14">
           <p:sp>
             <p:nvSpPr>
               <p:cNvPr id="6" name="CuadroTexto 5">
@@ -18932,6 +18974,7 @@
               </a:bodyPr>
               <a:lstStyle/>
               <a:p>
+                <a:pPr/>
                 <a14:m>
                   <m:oMathPara xmlns:m="http://schemas.openxmlformats.org/officeDocument/2006/math">
                     <m:oMathParaPr>
@@ -19032,7 +19075,7 @@
             </p:txBody>
           </p:sp>
         </mc:Choice>
-        <mc:Fallback>
+        <mc:Fallback xmlns="">
           <p:sp>
             <p:nvSpPr>
               <p:cNvPr id="6" name="CuadroTexto 5">
@@ -19113,8 +19156,8 @@
           </a:fontRef>
         </p:style>
       </p:cxnSp>
-      <mc:AlternateContent xmlns:mc="http://schemas.openxmlformats.org/markup-compatibility/2006">
-        <mc:Choice xmlns:a14="http://schemas.microsoft.com/office/drawing/2010/main" Requires="a14">
+      <mc:AlternateContent xmlns:mc="http://schemas.openxmlformats.org/markup-compatibility/2006" xmlns:a14="http://schemas.microsoft.com/office/drawing/2010/main">
+        <mc:Choice Requires="a14">
           <p:sp>
             <p:nvSpPr>
               <p:cNvPr id="10" name="Rectángulo 9">
@@ -19142,6 +19185,7 @@
               </a:bodyPr>
               <a:lstStyle/>
               <a:p>
+                <a:pPr/>
                 <a14:m>
                   <m:oMathPara xmlns:m="http://schemas.openxmlformats.org/officeDocument/2006/math">
                     <m:oMathParaPr>
@@ -19174,7 +19218,7 @@
             </p:txBody>
           </p:sp>
         </mc:Choice>
-        <mc:Fallback>
+        <mc:Fallback xmlns="">
           <p:sp>
             <p:nvSpPr>
               <p:cNvPr id="10" name="Rectángulo 9">
@@ -19219,8 +19263,8 @@
           </p:sp>
         </mc:Fallback>
       </mc:AlternateContent>
-      <mc:AlternateContent xmlns:mc="http://schemas.openxmlformats.org/markup-compatibility/2006">
-        <mc:Choice xmlns:a14="http://schemas.microsoft.com/office/drawing/2010/main" Requires="a14">
+      <mc:AlternateContent xmlns:mc="http://schemas.openxmlformats.org/markup-compatibility/2006" xmlns:a14="http://schemas.microsoft.com/office/drawing/2010/main">
+        <mc:Choice Requires="a14">
           <p:sp>
             <p:nvSpPr>
               <p:cNvPr id="11" name="Rectángulo 10">
@@ -19248,6 +19292,7 @@
               </a:bodyPr>
               <a:lstStyle/>
               <a:p>
+                <a:pPr/>
                 <a14:m>
                   <m:oMathPara xmlns:m="http://schemas.openxmlformats.org/officeDocument/2006/math">
                     <m:oMathParaPr>
@@ -19292,7 +19337,7 @@
             </p:txBody>
           </p:sp>
         </mc:Choice>
-        <mc:Fallback>
+        <mc:Fallback xmlns="">
           <p:sp>
             <p:nvSpPr>
               <p:cNvPr id="11" name="Rectángulo 10">
@@ -19337,8 +19382,8 @@
           </p:sp>
         </mc:Fallback>
       </mc:AlternateContent>
-      <mc:AlternateContent xmlns:mc="http://schemas.openxmlformats.org/markup-compatibility/2006">
-        <mc:Choice xmlns:a14="http://schemas.microsoft.com/office/drawing/2010/main" Requires="a14">
+      <mc:AlternateContent xmlns:mc="http://schemas.openxmlformats.org/markup-compatibility/2006" xmlns:a14="http://schemas.microsoft.com/office/drawing/2010/main">
+        <mc:Choice Requires="a14">
           <p:sp>
             <p:nvSpPr>
               <p:cNvPr id="88" name="Rectángulo 87">
@@ -19366,6 +19411,7 @@
               </a:bodyPr>
               <a:lstStyle/>
               <a:p>
+                <a:pPr/>
                 <a14:m>
                   <m:oMathPara xmlns:m="http://schemas.openxmlformats.org/officeDocument/2006/math">
                     <m:oMathParaPr>
@@ -19388,13 +19434,7 @@
                         <a:rPr lang="es-ES" i="1" smtClean="0">
                           <a:latin typeface="Cambria Math" panose="02040503050406030204" pitchFamily="18" charset="0"/>
                         </a:rPr>
-                        <m:t>+     3= </m:t>
-                      </m:r>
-                      <m:r>
-                        <a:rPr lang="es-ES" i="1">
-                          <a:latin typeface="Cambria Math" panose="02040503050406030204" pitchFamily="18" charset="0"/>
-                        </a:rPr>
-                        <m:t> 5</m:t>
+                        <m:t>+     3=  5</m:t>
                       </m:r>
                     </m:oMath>
                   </m:oMathPara>
@@ -19404,7 +19444,7 @@
             </p:txBody>
           </p:sp>
         </mc:Choice>
-        <mc:Fallback>
+        <mc:Fallback xmlns="">
           <p:sp>
             <p:nvSpPr>
               <p:cNvPr id="88" name="Rectángulo 87">
@@ -19494,8 +19534,8 @@
           </a:fontRef>
         </p:style>
       </p:cxnSp>
-      <mc:AlternateContent xmlns:mc="http://schemas.openxmlformats.org/markup-compatibility/2006">
-        <mc:Choice xmlns:a14="http://schemas.microsoft.com/office/drawing/2010/main" Requires="a14">
+      <mc:AlternateContent xmlns:mc="http://schemas.openxmlformats.org/markup-compatibility/2006" xmlns:a14="http://schemas.microsoft.com/office/drawing/2010/main">
+        <mc:Choice Requires="a14">
           <p:sp>
             <p:nvSpPr>
               <p:cNvPr id="16" name="Rectángulo 15">
@@ -19523,6 +19563,7 @@
               </a:bodyPr>
               <a:lstStyle/>
               <a:p>
+                <a:pPr/>
                 <a14:m>
                   <m:oMathPara xmlns:m="http://schemas.openxmlformats.org/officeDocument/2006/math">
                     <m:oMathParaPr>
@@ -19588,7 +19629,7 @@
             </p:txBody>
           </p:sp>
         </mc:Choice>
-        <mc:Fallback>
+        <mc:Fallback xmlns="">
           <p:sp>
             <p:nvSpPr>
               <p:cNvPr id="16" name="Rectángulo 15">
@@ -19633,8 +19674,8 @@
           </p:sp>
         </mc:Fallback>
       </mc:AlternateContent>
-      <mc:AlternateContent xmlns:mc="http://schemas.openxmlformats.org/markup-compatibility/2006">
-        <mc:Choice xmlns:a14="http://schemas.microsoft.com/office/drawing/2010/main" Requires="a14">
+      <mc:AlternateContent xmlns:mc="http://schemas.openxmlformats.org/markup-compatibility/2006" xmlns:a14="http://schemas.microsoft.com/office/drawing/2010/main">
+        <mc:Choice Requires="a14">
           <p:sp>
             <p:nvSpPr>
               <p:cNvPr id="106" name="Rectángulo 105">
@@ -19662,6 +19703,7 @@
               </a:bodyPr>
               <a:lstStyle/>
               <a:p>
+                <a:pPr/>
                 <a14:m>
                   <m:oMathPara xmlns:m="http://schemas.openxmlformats.org/officeDocument/2006/math">
                     <m:oMathParaPr>
@@ -19727,7 +19769,7 @@
             </p:txBody>
           </p:sp>
         </mc:Choice>
-        <mc:Fallback>
+        <mc:Fallback xmlns="">
           <p:sp>
             <p:nvSpPr>
               <p:cNvPr id="106" name="Rectángulo 105">
@@ -20424,7 +20466,7 @@
                   </a:extLst>
                 </a:hlinkClick>
               </a:rPr>
-              <a:t>https://www.youtube.com/watch?time_continue=3&amp;v=Y_Ac6KiQ1t0</a:t>
+              <a:t>https://www.youtube.com/watch?time_continue=2&amp;v=osh80YCg_GM</a:t>
             </a:r>
             <a:endParaRPr lang="es-PY" sz="1400" dirty="0">
               <a:solidFill>
@@ -20476,7 +20518,7 @@
                   </a:extLst>
                 </a:hlinkClick>
               </a:rPr>
-              <a:t>Lec 15 –MIT 18.06</a:t>
+              <a:t>Lec 16 –MIT 18.06</a:t>
             </a:r>
             <a:endParaRPr lang="es-PY" dirty="0"/>
           </a:p>
